--- a/documents/06-poster.pptx
+++ b/documents/06-poster.pptx
@@ -119,7 +119,7 @@
 <p1510:revInfo xmlns:a="http://schemas.openxmlformats.org/drawingml/2006/main" xmlns:r="http://schemas.openxmlformats.org/officeDocument/2006/relationships" xmlns:p1510="http://schemas.microsoft.com/office/powerpoint/2015/10/main">
   <p1510:revLst>
     <p1510:client id="{85B62920-019D-4196-DB55-3B56538A1D9A}" v="12" dt="2024-04-10T22:48:22.444"/>
-    <p1510:client id="{9AA75EE9-D2A3-430C-992C-AB0D6CE274E6}" v="46" dt="2024-04-11T02:28:15.428"/>
+    <p1510:client id="{9AA75EE9-D2A3-430C-992C-AB0D6CE274E6}" v="47" dt="2024-04-11T02:31:05.870"/>
   </p1510:revLst>
 </p1510:revInfo>
 </file>
@@ -129,12 +129,12 @@
   <pc:docChgLst>
     <pc:chgData name="Pikaard, Bryan W." userId="2289e9d4-7113-4ffe-895c-4f7b8b8daa65" providerId="ADAL" clId="{9AA75EE9-D2A3-430C-992C-AB0D6CE274E6}"/>
     <pc:docChg chg="undo redo custSel addSld delSld modSld">
-      <pc:chgData name="Pikaard, Bryan W." userId="2289e9d4-7113-4ffe-895c-4f7b8b8daa65" providerId="ADAL" clId="{9AA75EE9-D2A3-430C-992C-AB0D6CE274E6}" dt="2024-04-11T02:28:22.547" v="1545" actId="1076"/>
+      <pc:chgData name="Pikaard, Bryan W." userId="2289e9d4-7113-4ffe-895c-4f7b8b8daa65" providerId="ADAL" clId="{9AA75EE9-D2A3-430C-992C-AB0D6CE274E6}" dt="2024-04-11T02:32:06.441" v="1594" actId="14100"/>
       <pc:docMkLst>
         <pc:docMk/>
       </pc:docMkLst>
       <pc:sldChg chg="addSp delSp modSp mod">
-        <pc:chgData name="Pikaard, Bryan W." userId="2289e9d4-7113-4ffe-895c-4f7b8b8daa65" providerId="ADAL" clId="{9AA75EE9-D2A3-430C-992C-AB0D6CE274E6}" dt="2024-04-11T02:28:22.547" v="1545" actId="1076"/>
+        <pc:chgData name="Pikaard, Bryan W." userId="2289e9d4-7113-4ffe-895c-4f7b8b8daa65" providerId="ADAL" clId="{9AA75EE9-D2A3-430C-992C-AB0D6CE274E6}" dt="2024-04-11T02:32:06.441" v="1594" actId="14100"/>
         <pc:sldMkLst>
           <pc:docMk/>
           <pc:sldMk cId="2709660663" sldId="257"/>
@@ -155,12 +155,28 @@
             <ac:spMk id="4" creationId="{A3C6E690-0EBB-421D-DAB0-D1808971B6B0}"/>
           </ac:spMkLst>
         </pc:spChg>
+        <pc:spChg chg="add del">
+          <ac:chgData name="Pikaard, Bryan W." userId="2289e9d4-7113-4ffe-895c-4f7b8b8daa65" providerId="ADAL" clId="{9AA75EE9-D2A3-430C-992C-AB0D6CE274E6}" dt="2024-04-11T02:31:02.889" v="1548" actId="22"/>
+          <ac:spMkLst>
+            <pc:docMk/>
+            <pc:sldMk cId="2709660663" sldId="257"/>
+            <ac:spMk id="4" creationId="{BC6A5B49-732F-74F2-91B7-C84225532A46}"/>
+          </ac:spMkLst>
+        </pc:spChg>
         <pc:spChg chg="mod">
           <ac:chgData name="Pikaard, Bryan W." userId="2289e9d4-7113-4ffe-895c-4f7b8b8daa65" providerId="ADAL" clId="{9AA75EE9-D2A3-430C-992C-AB0D6CE274E6}" dt="2024-04-10T22:50:46.104" v="43" actId="27803"/>
           <ac:spMkLst>
             <pc:docMk/>
             <pc:sldMk cId="2709660663" sldId="257"/>
             <ac:spMk id="5" creationId="{850174D5-CE67-81E1-17E3-F125E1B45827}"/>
+          </ac:spMkLst>
+        </pc:spChg>
+        <pc:spChg chg="add mod">
+          <ac:chgData name="Pikaard, Bryan W." userId="2289e9d4-7113-4ffe-895c-4f7b8b8daa65" providerId="ADAL" clId="{9AA75EE9-D2A3-430C-992C-AB0D6CE274E6}" dt="2024-04-11T02:32:06.441" v="1594" actId="14100"/>
+          <ac:spMkLst>
+            <pc:docMk/>
+            <pc:sldMk cId="2709660663" sldId="257"/>
+            <ac:spMk id="5" creationId="{E919E6E4-3028-E618-E919-1A4BDB195B96}"/>
           </ac:spMkLst>
         </pc:spChg>
         <pc:spChg chg="mod">
@@ -540,7 +556,7 @@
           </ac:grpSpMkLst>
         </pc:grpChg>
         <pc:picChg chg="add mod">
-          <ac:chgData name="Pikaard, Bryan W." userId="2289e9d4-7113-4ffe-895c-4f7b8b8daa65" providerId="ADAL" clId="{9AA75EE9-D2A3-430C-992C-AB0D6CE274E6}" dt="2024-04-11T02:28:22.547" v="1545" actId="1076"/>
+          <ac:chgData name="Pikaard, Bryan W." userId="2289e9d4-7113-4ffe-895c-4f7b8b8daa65" providerId="ADAL" clId="{9AA75EE9-D2A3-430C-992C-AB0D6CE274E6}" dt="2024-04-11T02:31:59.616" v="1593" actId="1076"/>
           <ac:picMkLst>
             <pc:docMk/>
             <pc:sldMk cId="2709660663" sldId="257"/>
@@ -5733,7 +5749,7 @@
         </p:blipFill>
         <p:spPr>
           <a:xfrm>
-            <a:off x="20116800" y="35384947"/>
+            <a:off x="34175700" y="35413911"/>
             <a:ext cx="2857500" cy="2857500"/>
           </a:xfrm>
           <a:prstGeom prst="rect">
@@ -5741,6 +5757,66 @@
           </a:prstGeom>
         </p:spPr>
       </p:pic>
+      <p:sp>
+        <p:nvSpPr>
+          <p:cNvPr id="5" name="TextBox 4">
+            <a:extLst>
+              <a:ext uri="{FF2B5EF4-FFF2-40B4-BE49-F238E27FC236}">
+                <a16:creationId xmlns:a16="http://schemas.microsoft.com/office/drawing/2014/main" id="{E919E6E4-3028-E618-E919-1A4BDB195B96}"/>
+              </a:ext>
+            </a:extLst>
+          </p:cNvPr>
+          <p:cNvSpPr txBox="1"/>
+          <p:nvPr/>
+        </p:nvSpPr>
+        <p:spPr>
+          <a:xfrm>
+            <a:off x="29489400" y="36550274"/>
+            <a:ext cx="4686300" cy="584775"/>
+          </a:xfrm>
+          <a:prstGeom prst="rect">
+            <a:avLst/>
+          </a:prstGeom>
+          <a:ln>
+            <a:noFill/>
+          </a:ln>
+        </p:spPr>
+        <p:style>
+          <a:lnRef idx="2">
+            <a:schemeClr val="dk1"/>
+          </a:lnRef>
+          <a:fillRef idx="1">
+            <a:schemeClr val="lt1"/>
+          </a:fillRef>
+          <a:effectRef idx="0">
+            <a:schemeClr val="dk1"/>
+          </a:effectRef>
+          <a:fontRef idx="minor">
+            <a:schemeClr val="dk1"/>
+          </a:fontRef>
+        </p:style>
+        <p:txBody>
+          <a:bodyPr wrap="square" rtlCol="0">
+            <a:spAutoFit/>
+          </a:bodyPr>
+          <a:lstStyle/>
+          <a:p>
+            <a:pPr algn="ctr"/>
+            <a:r>
+              <a:rPr lang="en-US" sz="3200" b="1" dirty="0">
+                <a:solidFill>
+                  <a:srgbClr val="BB1C3F"/>
+                </a:solidFill>
+              </a:rPr>
+              <a:t>Scan </a:t>
+            </a:r>
+            <a:r>
+              <a:rPr lang="en-US" sz="3200" dirty="0"/>
+              <a:t>to open our website!</a:t>
+            </a:r>
+          </a:p>
+        </p:txBody>
+      </p:sp>
     </p:spTree>
     <p:extLst>
       <p:ext uri="{BB962C8B-B14F-4D97-AF65-F5344CB8AC3E}">
